--- a/完成モデル/機能モデル.pptx
+++ b/完成モデル/機能モデル.pptx
@@ -9987,7 +9987,7 @@
                   <a:schemeClr val="tx1"/>
                 </a:solidFill>
               </a:rPr>
-              <a:t>これらの値を設定した根拠を工夫点のページで</a:t>
+              <a:t>これらの値を設定した</a:t>
             </a:r>
             <a:r>
               <a:rPr kumimoji="1" lang="ja-JP" altLang="en-US" sz="1400" b="1">
@@ -9995,7 +9995,7 @@
                   <a:schemeClr val="tx1"/>
                 </a:solidFill>
               </a:rPr>
-              <a:t>解説する．</a:t>
+              <a:t>根拠を「４．工夫点」で解説する．</a:t>
             </a:r>
             <a:endParaRPr kumimoji="1" lang="ja-JP" altLang="en-US" sz="1400" b="1" dirty="0">
               <a:solidFill>

--- a/完成モデル/機能モデル.pptx
+++ b/完成モデル/機能モデル.pptx
@@ -2448,7 +2448,7 @@
         </p:nvSpPr>
         <p:spPr>
           <a:xfrm>
-            <a:off x="97137" y="694983"/>
+            <a:off x="104464" y="686572"/>
             <a:ext cx="12600000" cy="8856984"/>
           </a:xfrm>
           <a:prstGeom prst="rect">
@@ -3081,10 +3081,10 @@
         </p:nvGrpSpPr>
         <p:grpSpPr>
           <a:xfrm>
-            <a:off x="136104" y="2856384"/>
-            <a:ext cx="3657516" cy="719129"/>
-            <a:chOff x="100800" y="3511732"/>
-            <a:chExt cx="3657516" cy="719129"/>
+            <a:off x="136104" y="2733854"/>
+            <a:ext cx="3778379" cy="754052"/>
+            <a:chOff x="100800" y="3389202"/>
+            <a:chExt cx="3778379" cy="754052"/>
           </a:xfrm>
         </p:grpSpPr>
         <p:sp>
@@ -3101,7 +3101,7 @@
           </p:nvSpPr>
           <p:spPr>
             <a:xfrm>
-              <a:off x="100800" y="3815363"/>
+              <a:off x="100800" y="3727756"/>
               <a:ext cx="3657516" cy="415498"/>
             </a:xfrm>
             <a:prstGeom prst="rect">
@@ -3146,55 +3146,7 @@
                   <a:latin typeface="メイリオ" panose="020B0604030504040204" pitchFamily="50" charset="-128"/>
                   <a:ea typeface="メイリオ" panose="020B0604030504040204" pitchFamily="50" charset="-128"/>
                 </a:rPr>
-                <a:t>機能を実現するための方法を</a:t>
-              </a:r>
-              <a:r>
-                <a:rPr kumimoji="1" lang="ja-JP" altLang="en-US" sz="1050" b="0" i="0" u="none" strike="noStrike" kern="1200" cap="none" spc="0" normalizeH="0" baseline="0" noProof="0">
-                  <a:ln>
-                    <a:noFill/>
-                  </a:ln>
-                  <a:solidFill>
-                    <a:prstClr val="black"/>
-                  </a:solidFill>
-                  <a:effectLst/>
-                  <a:uLnTx/>
-                  <a:uFillTx/>
-                  <a:latin typeface="メイリオ" panose="020B0604030504040204" pitchFamily="50" charset="-128"/>
-                  <a:ea typeface="メイリオ" panose="020B0604030504040204" pitchFamily="50" charset="-128"/>
-                </a:rPr>
-                <a:t>ユースケース記述，処理</a:t>
-              </a:r>
-              <a:r>
-                <a:rPr kumimoji="1" lang="ja-JP" altLang="en-US" sz="1050" b="0" i="0" u="none" strike="noStrike" kern="1200" cap="none" spc="0" normalizeH="0" baseline="0" noProof="0" dirty="0">
-                  <a:ln>
-                    <a:noFill/>
-                  </a:ln>
-                  <a:solidFill>
-                    <a:prstClr val="black"/>
-                  </a:solidFill>
-                  <a:effectLst/>
-                  <a:uLnTx/>
-                  <a:uFillTx/>
-                  <a:latin typeface="メイリオ" panose="020B0604030504040204" pitchFamily="50" charset="-128"/>
-                  <a:ea typeface="メイリオ" panose="020B0604030504040204" pitchFamily="50" charset="-128"/>
-                </a:rPr>
-                <a:t>順序をアクティビティ図</a:t>
-              </a:r>
-              <a:r>
-                <a:rPr kumimoji="1" lang="ja-JP" altLang="en-US" sz="1050" b="0" i="0" u="none" strike="noStrike" kern="1200" cap="none" spc="0" normalizeH="0" baseline="0" noProof="0">
-                  <a:ln>
-                    <a:noFill/>
-                  </a:ln>
-                  <a:solidFill>
-                    <a:prstClr val="black"/>
-                  </a:solidFill>
-                  <a:effectLst/>
-                  <a:uLnTx/>
-                  <a:uFillTx/>
-                  <a:latin typeface="メイリオ" panose="020B0604030504040204" pitchFamily="50" charset="-128"/>
-                  <a:ea typeface="メイリオ" panose="020B0604030504040204" pitchFamily="50" charset="-128"/>
-                </a:rPr>
-                <a:t>に示す．</a:t>
+                <a:t>機能を実現するための方法をユースケース記述，処理順序をアクティビティ図に示す．</a:t>
               </a:r>
               <a:endParaRPr kumimoji="1" lang="ja-JP" altLang="en-US" sz="1400" b="0" i="0" u="none" strike="noStrike" kern="1200" cap="none" spc="0" normalizeH="0" baseline="0" noProof="0" dirty="0">
                 <a:ln>
@@ -3227,7 +3179,7 @@
           </p:nvSpPr>
           <p:spPr>
             <a:xfrm>
-              <a:off x="100800" y="3511732"/>
+              <a:off x="100800" y="3389202"/>
               <a:ext cx="2033121" cy="338554"/>
             </a:xfrm>
             <a:prstGeom prst="rect">
@@ -3308,8 +3260,8 @@
           </p:nvCxnSpPr>
           <p:spPr>
             <a:xfrm>
-              <a:off x="226039" y="3815363"/>
-              <a:ext cx="3472820" cy="0"/>
+              <a:off x="125644" y="3727756"/>
+              <a:ext cx="3753535" cy="0"/>
             </a:xfrm>
             <a:prstGeom prst="line">
               <a:avLst/>
@@ -3354,45 +3306,6 @@
           <a:xfrm>
             <a:off x="6711332" y="720977"/>
             <a:ext cx="0" cy="5735788"/>
-          </a:xfrm>
-          <a:prstGeom prst="line">
-            <a:avLst/>
-          </a:prstGeom>
-          <a:ln/>
-        </p:spPr>
-        <p:style>
-          <a:lnRef idx="1">
-            <a:schemeClr val="accent6"/>
-          </a:lnRef>
-          <a:fillRef idx="0">
-            <a:schemeClr val="accent6"/>
-          </a:fillRef>
-          <a:effectRef idx="0">
-            <a:schemeClr val="accent6"/>
-          </a:effectRef>
-          <a:fontRef idx="minor">
-            <a:schemeClr val="tx1"/>
-          </a:fontRef>
-        </p:style>
-      </p:cxnSp>
-      <p:cxnSp>
-        <p:nvCxnSpPr>
-          <p:cNvPr id="189" name="直線コネクタ 188">
-            <a:extLst>
-              <a:ext uri="{FF2B5EF4-FFF2-40B4-BE49-F238E27FC236}">
-                <a16:creationId xmlns:a16="http://schemas.microsoft.com/office/drawing/2014/main" id="{E6358B48-3216-49A4-A3FD-342E3FC66910}"/>
-              </a:ext>
-            </a:extLst>
-          </p:cNvPr>
-          <p:cNvCxnSpPr>
-            <a:cxnSpLocks/>
-          </p:cNvCxnSpPr>
-          <p:nvPr/>
-        </p:nvCxnSpPr>
-        <p:spPr>
-          <a:xfrm>
-            <a:off x="3879114" y="766991"/>
-            <a:ext cx="1406" cy="5689774"/>
           </a:xfrm>
           <a:prstGeom prst="line">
             <a:avLst/>
@@ -3775,10 +3688,10 @@
         </p:nvGrpSpPr>
         <p:grpSpPr>
           <a:xfrm>
-            <a:off x="139708" y="732002"/>
-            <a:ext cx="3596796" cy="1188278"/>
-            <a:chOff x="71959" y="696144"/>
-            <a:chExt cx="3596796" cy="1188278"/>
+            <a:off x="64096" y="696144"/>
+            <a:ext cx="3917924" cy="1224136"/>
+            <a:chOff x="-3653" y="660286"/>
+            <a:chExt cx="3917924" cy="1224136"/>
           </a:xfrm>
         </p:grpSpPr>
         <p:cxnSp>
@@ -3797,8 +3710,8 @@
           </p:nvCxnSpPr>
           <p:spPr>
             <a:xfrm>
-              <a:off x="160948" y="984176"/>
-              <a:ext cx="3507807" cy="645"/>
+              <a:off x="93199" y="984176"/>
+              <a:ext cx="3753535" cy="0"/>
             </a:xfrm>
             <a:prstGeom prst="line">
               <a:avLst/>
@@ -3838,7 +3751,7 @@
           </p:nvSpPr>
           <p:spPr>
             <a:xfrm>
-              <a:off x="73832" y="696144"/>
+              <a:off x="73832" y="660286"/>
               <a:ext cx="2002046" cy="338554"/>
             </a:xfrm>
             <a:prstGeom prst="rect">
@@ -3902,8 +3815,8 @@
           </p:nvSpPr>
           <p:spPr>
             <a:xfrm>
-              <a:off x="71959" y="984176"/>
-              <a:ext cx="3589959" cy="900246"/>
+              <a:off x="-3653" y="984176"/>
+              <a:ext cx="3917924" cy="900246"/>
             </a:xfrm>
             <a:prstGeom prst="rect">
               <a:avLst/>
@@ -3928,52 +3841,21 @@
                   <a:latin typeface="メイリオ" panose="020B0604030504040204" pitchFamily="50" charset="-128"/>
                   <a:ea typeface="メイリオ" panose="020B0604030504040204" pitchFamily="50" charset="-128"/>
                 </a:rPr>
-                <a:t>を</a:t>
+                <a:t>を提供する</a:t>
               </a:r>
               <a:r>
-                <a:rPr lang="ja-JP" altLang="en-US" sz="1050">
+                <a:rPr kumimoji="1" lang="ja-JP" altLang="en-US" sz="1050" dirty="0">
                   <a:latin typeface="メイリオ" panose="020B0604030504040204" pitchFamily="50" charset="-128"/>
                   <a:ea typeface="メイリオ" panose="020B0604030504040204" pitchFamily="50" charset="-128"/>
                 </a:rPr>
-                <a:t>提供する</a:t>
-              </a:r>
-              <a:r>
-                <a:rPr kumimoji="1" lang="ja-JP" altLang="en-US" sz="1050">
-                  <a:latin typeface="メイリオ" panose="020B0604030504040204" pitchFamily="50" charset="-128"/>
-                  <a:ea typeface="メイリオ" panose="020B0604030504040204" pitchFamily="50" charset="-128"/>
-                </a:rPr>
-                <a:t>．今回我々は</a:t>
-              </a:r>
-              <a:r>
-                <a:rPr lang="ja-JP" altLang="en-US" sz="1050">
-                  <a:latin typeface="メイリオ" panose="020B0604030504040204" pitchFamily="50" charset="-128"/>
-                  <a:ea typeface="メイリオ" panose="020B0604030504040204" pitchFamily="50" charset="-128"/>
-                </a:rPr>
-                <a:t>，「</a:t>
+                <a:t>．このモデルでは、</a:t>
               </a:r>
               <a:r>
                 <a:rPr lang="ja-JP" altLang="en-US" sz="1050" dirty="0">
                   <a:latin typeface="メイリオ" panose="020B0604030504040204" pitchFamily="50" charset="-128"/>
                   <a:ea typeface="メイリオ" panose="020B0604030504040204" pitchFamily="50" charset="-128"/>
                 </a:rPr>
-                <a:t>コースを完走する」という課題をスタート動作を終えてからゴールゲートを通過するまでの動作と</a:t>
-              </a:r>
-              <a:r>
-                <a:rPr lang="ja-JP" altLang="en-US" sz="1050">
-                  <a:latin typeface="メイリオ" panose="020B0604030504040204" pitchFamily="50" charset="-128"/>
-                  <a:ea typeface="メイリオ" panose="020B0604030504040204" pitchFamily="50" charset="-128"/>
-                </a:rPr>
-                <a:t>定義した．なお，</a:t>
-              </a:r>
-              <a:r>
-                <a:rPr lang="ja-JP" altLang="en-US" sz="1050" b="1">
-                  <a:solidFill>
-                    <a:srgbClr val="FF0000"/>
-                  </a:solidFill>
-                  <a:latin typeface="メイリオ" panose="020B0604030504040204" pitchFamily="50" charset="-128"/>
-                  <a:ea typeface="メイリオ" panose="020B0604030504040204" pitchFamily="50" charset="-128"/>
-                </a:rPr>
-                <a:t>それ</a:t>
+                <a:t>「コースを完走する」という課題を、スタート動作を終えてからゴールゲートを通過するまでの動作と定義する．なお，</a:t>
               </a:r>
               <a:r>
                 <a:rPr lang="ja-JP" altLang="en-US" sz="1050" b="1" dirty="0">
@@ -3983,40 +3865,10 @@
                   <a:latin typeface="メイリオ" panose="020B0604030504040204" pitchFamily="50" charset="-128"/>
                   <a:ea typeface="メイリオ" panose="020B0604030504040204" pitchFamily="50" charset="-128"/>
                 </a:rPr>
-                <a:t>以外の動作は走行準備</a:t>
+                <a:t>それ以外の動作は走行準備とし，その定義は以下に示す</a:t>
               </a:r>
               <a:r>
-                <a:rPr lang="ja-JP" altLang="en-US" sz="1050" b="1">
-                  <a:solidFill>
-                    <a:srgbClr val="FF0000"/>
-                  </a:solidFill>
-                  <a:latin typeface="メイリオ" panose="020B0604030504040204" pitchFamily="50" charset="-128"/>
-                  <a:ea typeface="メイリオ" panose="020B0604030504040204" pitchFamily="50" charset="-128"/>
-                </a:rPr>
-                <a:t>とし，その</a:t>
-              </a:r>
-              <a:r>
-                <a:rPr lang="ja-JP" altLang="en-US" sz="1050" b="1" dirty="0">
-                  <a:solidFill>
-                    <a:srgbClr val="FF0000"/>
-                  </a:solidFill>
-                  <a:latin typeface="メイリオ" panose="020B0604030504040204" pitchFamily="50" charset="-128"/>
-                  <a:ea typeface="メイリオ" panose="020B0604030504040204" pitchFamily="50" charset="-128"/>
-                </a:rPr>
-                <a:t>定義は以下</a:t>
-              </a:r>
-              <a:r>
-                <a:rPr lang="ja-JP" altLang="en-US" sz="1050" b="1">
-                  <a:solidFill>
-                    <a:srgbClr val="FF0000"/>
-                  </a:solidFill>
-                  <a:latin typeface="メイリオ" panose="020B0604030504040204" pitchFamily="50" charset="-128"/>
-                  <a:ea typeface="メイリオ" panose="020B0604030504040204" pitchFamily="50" charset="-128"/>
-                </a:rPr>
-                <a:t>に示す</a:t>
-              </a:r>
-              <a:r>
-                <a:rPr lang="ja-JP" altLang="en-US" sz="1050">
+                <a:rPr lang="ja-JP" altLang="en-US" sz="1050" dirty="0">
                   <a:latin typeface="メイリオ" panose="020B0604030504040204" pitchFamily="50" charset="-128"/>
                   <a:ea typeface="メイリオ" panose="020B0604030504040204" pitchFamily="50" charset="-128"/>
                 </a:rPr>
@@ -4271,13 +4123,15 @@
               </a:ext>
             </a:extLst>
           </p:cNvPr>
-          <p:cNvCxnSpPr/>
+          <p:cNvCxnSpPr>
+            <a:cxnSpLocks/>
+          </p:cNvCxnSpPr>
           <p:nvPr/>
         </p:nvCxnSpPr>
         <p:spPr>
           <a:xfrm>
-            <a:off x="160948" y="6493714"/>
-            <a:ext cx="12360532" cy="46014"/>
+            <a:off x="145846" y="6507921"/>
+            <a:ext cx="12375634" cy="31807"/>
           </a:xfrm>
           <a:prstGeom prst="line">
             <a:avLst/>
@@ -5022,14 +4876,14 @@
           <p:nvPr>
             <p:extLst>
               <p:ext uri="{D42A27DB-BD31-4B8C-83A1-F6EECF244321}">
-                <p14:modId xmlns:p14="http://schemas.microsoft.com/office/powerpoint/2010/main" val="2827701316"/>
+                <p14:modId xmlns:p14="http://schemas.microsoft.com/office/powerpoint/2010/main" val="3855399361"/>
               </p:ext>
             </p:extLst>
           </p:nvPr>
         </p:nvGraphicFramePr>
         <p:xfrm>
-          <a:off x="244536" y="3530685"/>
-          <a:ext cx="3491968" cy="2903220"/>
+          <a:off x="186655" y="3432448"/>
+          <a:ext cx="3693865" cy="3063240"/>
         </p:xfrm>
         <a:graphic>
           <a:graphicData uri="http://schemas.openxmlformats.org/drawingml/2006/table">
@@ -5038,14 +4892,14 @@
                 <a:tableStyleId>{93296810-A885-4BE3-A3E7-6D5BEEA58F35}</a:tableStyleId>
               </a:tblPr>
               <a:tblGrid>
-                <a:gridCol w="1003316">
+                <a:gridCol w="1061326">
                   <a:extLst>
                     <a:ext uri="{9D8B030D-6E8A-4147-A177-3AD203B41FA5}">
                       <a16:colId xmlns:a16="http://schemas.microsoft.com/office/drawing/2014/main" val="2917276287"/>
                     </a:ext>
                   </a:extLst>
                 </a:gridCol>
-                <a:gridCol w="2488652">
+                <a:gridCol w="2632539">
                   <a:extLst>
                     <a:ext uri="{9D8B030D-6E8A-4147-A177-3AD203B41FA5}">
                       <a16:colId xmlns:a16="http://schemas.microsoft.com/office/drawing/2014/main" val="877851442"/>
@@ -5160,14 +5014,7 @@
                           <a:latin typeface="メイリオ" panose="020B0604030504040204" pitchFamily="50" charset="-128"/>
                           <a:ea typeface="メイリオ" panose="020B0604030504040204" pitchFamily="50" charset="-128"/>
                         </a:rPr>
-                        <a:t>倒立状態でコースを</a:t>
-                      </a:r>
-                      <a:r>
-                        <a:rPr kumimoji="1" lang="ja-JP" altLang="en-US" sz="1050">
-                          <a:latin typeface="メイリオ" panose="020B0604030504040204" pitchFamily="50" charset="-128"/>
-                          <a:ea typeface="メイリオ" panose="020B0604030504040204" pitchFamily="50" charset="-128"/>
-                        </a:rPr>
-                        <a:t>ライントレースし，</a:t>
+                        <a:t>倒立状態でコースをライントレースし，</a:t>
                       </a:r>
                       <a:endParaRPr kumimoji="1" lang="en-US" altLang="ja-JP" sz="1050" dirty="0">
                         <a:latin typeface="メイリオ" panose="020B0604030504040204" pitchFamily="50" charset="-128"/>
@@ -5352,7 +5199,7 @@
                   </a:ext>
                 </a:extLst>
               </a:tr>
-              <a:tr h="328825">
+              <a:tr h="720000">
                 <a:tc>
                   <a:txBody>
                     <a:bodyPr/>
@@ -5431,6 +5278,40 @@
                           <a:ea typeface="メイリオ" panose="020B0604030504040204" pitchFamily="50" charset="-128"/>
                         </a:rPr>
                         <a:t>走行制御をする</a:t>
+                      </a:r>
+                      <a:endParaRPr kumimoji="1" lang="en-US" altLang="ja-JP" sz="1050" dirty="0">
+                        <a:latin typeface="メイリオ" panose="020B0604030504040204" pitchFamily="50" charset="-128"/>
+                        <a:ea typeface="メイリオ" panose="020B0604030504040204" pitchFamily="50" charset="-128"/>
+                      </a:endParaRPr>
+                    </a:p>
+                    <a:p>
+                      <a:r>
+                        <a:rPr kumimoji="1" lang="en-US" altLang="ja-JP" sz="1050" dirty="0">
+                          <a:latin typeface="メイリオ" panose="020B0604030504040204" pitchFamily="50" charset="-128"/>
+                          <a:ea typeface="メイリオ" panose="020B0604030504040204" pitchFamily="50" charset="-128"/>
+                        </a:rPr>
+                        <a:t>4. </a:t>
+                      </a:r>
+                      <a:r>
+                        <a:rPr kumimoji="1" lang="ja-JP" altLang="en-US" sz="1050" dirty="0">
+                          <a:latin typeface="メイリオ" panose="020B0604030504040204" pitchFamily="50" charset="-128"/>
+                          <a:ea typeface="メイリオ" panose="020B0604030504040204" pitchFamily="50" charset="-128"/>
+                        </a:rPr>
+                        <a:t>基本系列</a:t>
+                      </a:r>
+                      <a:r>
+                        <a:rPr kumimoji="1" lang="en-US" altLang="ja-JP" sz="1050" dirty="0">
+                          <a:latin typeface="メイリオ" panose="020B0604030504040204" pitchFamily="50" charset="-128"/>
+                          <a:ea typeface="メイリオ" panose="020B0604030504040204" pitchFamily="50" charset="-128"/>
+                        </a:rPr>
+                        <a:t>1~3</a:t>
+                      </a:r>
+                      <a:r>
+                        <a:rPr kumimoji="1" lang="ja-JP" altLang="en-US" sz="1050" dirty="0">
+                          <a:latin typeface="メイリオ" panose="020B0604030504040204" pitchFamily="50" charset="-128"/>
+                          <a:ea typeface="メイリオ" panose="020B0604030504040204" pitchFamily="50" charset="-128"/>
+                        </a:rPr>
+                        <a:t>を繰り返す</a:t>
                       </a:r>
                     </a:p>
                   </a:txBody>
@@ -8261,13 +8142,13 @@
           <p:nvPr>
             <p:extLst>
               <p:ext uri="{D42A27DB-BD31-4B8C-83A1-F6EECF244321}">
-                <p14:modId xmlns:p14="http://schemas.microsoft.com/office/powerpoint/2010/main" val="2493190743"/>
+                <p14:modId xmlns:p14="http://schemas.microsoft.com/office/powerpoint/2010/main" val="240586211"/>
               </p:ext>
             </p:extLst>
           </p:nvPr>
         </p:nvGraphicFramePr>
         <p:xfrm>
-          <a:off x="4037236" y="7655416"/>
+          <a:off x="4055887" y="7683888"/>
           <a:ext cx="3604737" cy="1508760"/>
         </p:xfrm>
         <a:graphic>
@@ -9133,7 +9014,7 @@
         </p:nvSpPr>
         <p:spPr>
           <a:xfrm>
-            <a:off x="2211174" y="1776264"/>
+            <a:off x="2211174" y="1704256"/>
             <a:ext cx="1525330" cy="1246495"/>
           </a:xfrm>
           <a:prstGeom prst="rect">
@@ -9265,7 +9146,7 @@
         </p:nvGrpSpPr>
         <p:grpSpPr>
           <a:xfrm>
-            <a:off x="1036918" y="1857146"/>
+            <a:off x="1036918" y="1704256"/>
             <a:ext cx="1043402" cy="1007558"/>
             <a:chOff x="676878" y="1857146"/>
             <a:chExt cx="1043402" cy="1007558"/>
@@ -9511,7 +9392,7 @@
         </p:nvGrpSpPr>
         <p:grpSpPr>
           <a:xfrm>
-            <a:off x="136104" y="2077069"/>
+            <a:off x="136104" y="2001012"/>
             <a:ext cx="578591" cy="783364"/>
             <a:chOff x="211698" y="2010032"/>
             <a:chExt cx="597996" cy="796465"/>
@@ -9775,7 +9656,7 @@
         </p:nvCxnSpPr>
         <p:spPr>
           <a:xfrm flipV="1">
-            <a:off x="621438" y="2348818"/>
+            <a:off x="621438" y="2205852"/>
             <a:ext cx="485522" cy="74468"/>
           </a:xfrm>
           <a:prstGeom prst="line">
@@ -9813,7 +9694,7 @@
         </p:nvCxnSpPr>
         <p:spPr>
           <a:xfrm>
-            <a:off x="624018" y="2458098"/>
+            <a:off x="624018" y="2347500"/>
             <a:ext cx="478530" cy="76836"/>
           </a:xfrm>
           <a:prstGeom prst="line">
@@ -9849,8 +9730,8 @@
         </p:nvSpPr>
         <p:spPr>
           <a:xfrm>
-            <a:off x="3554334" y="7232585"/>
-            <a:ext cx="4560330" cy="415498"/>
+            <a:off x="3578090" y="7169826"/>
+            <a:ext cx="4560330" cy="577081"/>
           </a:xfrm>
           <a:prstGeom prst="rect">
             <a:avLst/>
@@ -9864,39 +9745,21 @@
           <a:lstStyle/>
           <a:p>
             <a:r>
-              <a:rPr lang="ja-JP" altLang="en-US" sz="1050" dirty="0">
+              <a:rPr lang="ja-JP" altLang="en-US" sz="1050" b="1" dirty="0">
+                <a:solidFill>
+                  <a:srgbClr val="FF0000"/>
+                </a:solidFill>
                 <a:latin typeface="メイリオ" panose="020B0604030504040204" pitchFamily="50" charset="-128"/>
                 <a:ea typeface="メイリオ" panose="020B0604030504040204" pitchFamily="50" charset="-128"/>
               </a:rPr>
-              <a:t>各曲率分類</a:t>
-            </a:r>
-            <a:r>
-              <a:rPr lang="ja-JP" altLang="en-US" sz="1050">
-                <a:latin typeface="メイリオ" panose="020B0604030504040204" pitchFamily="50" charset="-128"/>
-                <a:ea typeface="メイリオ" panose="020B0604030504040204" pitchFamily="50" charset="-128"/>
-              </a:rPr>
-              <a:t>における前進量と制御</a:t>
+              <a:t>これから示す値は区間パラメータリストという構造体に格納する</a:t>
             </a:r>
             <a:r>
               <a:rPr lang="ja-JP" altLang="en-US" sz="1050" dirty="0">
                 <a:latin typeface="メイリオ" panose="020B0604030504040204" pitchFamily="50" charset="-128"/>
                 <a:ea typeface="メイリオ" panose="020B0604030504040204" pitchFamily="50" charset="-128"/>
               </a:rPr>
-              <a:t>で</a:t>
-            </a:r>
-            <a:r>
-              <a:rPr lang="ja-JP" altLang="en-US" sz="1050">
-                <a:latin typeface="メイリオ" panose="020B0604030504040204" pitchFamily="50" charset="-128"/>
-                <a:ea typeface="メイリオ" panose="020B0604030504040204" pitchFamily="50" charset="-128"/>
-              </a:rPr>
-              <a:t>用いる旋回量，ライントレース</a:t>
-            </a:r>
-            <a:r>
-              <a:rPr lang="ja-JP" altLang="en-US" sz="1050" dirty="0">
-                <a:latin typeface="メイリオ" panose="020B0604030504040204" pitchFamily="50" charset="-128"/>
-                <a:ea typeface="メイリオ" panose="020B0604030504040204" pitchFamily="50" charset="-128"/>
-              </a:rPr>
-              <a:t>の</a:t>
+              <a:t>。各曲率分類における前進量と制御で用いる旋回量，ライントレースの</a:t>
             </a:r>
             <a:r>
               <a:rPr lang="en-US" altLang="ja-JP" sz="1050" dirty="0">
@@ -9910,28 +9773,7 @@
                 <a:latin typeface="メイリオ" panose="020B0604030504040204" pitchFamily="50" charset="-128"/>
                 <a:ea typeface="メイリオ" panose="020B0604030504040204" pitchFamily="50" charset="-128"/>
               </a:rPr>
-              <a:t>係数を以下の表</a:t>
-            </a:r>
-            <a:r>
-              <a:rPr lang="ja-JP" altLang="en-US" sz="1050">
-                <a:latin typeface="メイリオ" panose="020B0604030504040204" pitchFamily="50" charset="-128"/>
-                <a:ea typeface="メイリオ" panose="020B0604030504040204" pitchFamily="50" charset="-128"/>
-              </a:rPr>
-              <a:t>に示す．曲率</a:t>
-            </a:r>
-            <a:r>
-              <a:rPr lang="ja-JP" altLang="en-US" sz="1050" dirty="0">
-                <a:latin typeface="メイリオ" panose="020B0604030504040204" pitchFamily="50" charset="-128"/>
-                <a:ea typeface="メイリオ" panose="020B0604030504040204" pitchFamily="50" charset="-128"/>
-              </a:rPr>
-              <a:t>分類の文字色は区間分けの色</a:t>
-            </a:r>
-            <a:r>
-              <a:rPr lang="ja-JP" altLang="en-US" sz="1050">
-                <a:latin typeface="メイリオ" panose="020B0604030504040204" pitchFamily="50" charset="-128"/>
-                <a:ea typeface="メイリオ" panose="020B0604030504040204" pitchFamily="50" charset="-128"/>
-              </a:rPr>
-              <a:t>と対応する．</a:t>
+              <a:t>係数を以下の表に示す．曲率分類の文字色は区間分けの色と対応する．</a:t>
             </a:r>
             <a:endParaRPr kumimoji="1" lang="ja-JP" altLang="en-US" sz="1050" dirty="0">
               <a:latin typeface="メイリオ" panose="020B0604030504040204" pitchFamily="50" charset="-128"/>
@@ -10254,6 +10096,45 @@
           </a:fillRef>
           <a:effectRef idx="2">
             <a:schemeClr val="dk1"/>
+          </a:effectRef>
+          <a:fontRef idx="minor">
+            <a:schemeClr val="tx1"/>
+          </a:fontRef>
+        </p:style>
+      </p:cxnSp>
+      <p:cxnSp>
+        <p:nvCxnSpPr>
+          <p:cNvPr id="189" name="直線コネクタ 188">
+            <a:extLst>
+              <a:ext uri="{FF2B5EF4-FFF2-40B4-BE49-F238E27FC236}">
+                <a16:creationId xmlns:a16="http://schemas.microsoft.com/office/drawing/2014/main" id="{E6358B48-3216-49A4-A3FD-342E3FC66910}"/>
+              </a:ext>
+            </a:extLst>
+          </p:cNvPr>
+          <p:cNvCxnSpPr>
+            <a:cxnSpLocks/>
+          </p:cNvCxnSpPr>
+          <p:nvPr/>
+        </p:nvCxnSpPr>
+        <p:spPr>
+          <a:xfrm>
+            <a:off x="3951122" y="766991"/>
+            <a:ext cx="1406" cy="5689774"/>
+          </a:xfrm>
+          <a:prstGeom prst="line">
+            <a:avLst/>
+          </a:prstGeom>
+          <a:ln/>
+        </p:spPr>
+        <p:style>
+          <a:lnRef idx="1">
+            <a:schemeClr val="accent6"/>
+          </a:lnRef>
+          <a:fillRef idx="0">
+            <a:schemeClr val="accent6"/>
+          </a:fillRef>
+          <a:effectRef idx="0">
+            <a:schemeClr val="accent6"/>
           </a:effectRef>
           <a:fontRef idx="minor">
             <a:schemeClr val="tx1"/>

--- a/完成モデル/機能モデル.pptx
+++ b/完成モデル/機能モデル.pptx
@@ -5401,7 +5401,7 @@
           <p:nvPr>
             <p:extLst>
               <p:ext uri="{D42A27DB-BD31-4B8C-83A1-F6EECF244321}">
-                <p14:modId xmlns:p14="http://schemas.microsoft.com/office/powerpoint/2010/main" val="1844290047"/>
+                <p14:modId xmlns:p14="http://schemas.microsoft.com/office/powerpoint/2010/main" val="2381510244"/>
               </p:ext>
             </p:extLst>
           </p:nvPr>
@@ -5439,7 +5439,7 @@
                   </a:extLst>
                 </a:gridCol>
               </a:tblGrid>
-              <a:tr h="214322">
+              <a:tr h="251460">
                 <a:tc>
                   <a:txBody>
                     <a:bodyPr/>
@@ -5488,7 +5488,7 @@
                   </a:ext>
                 </a:extLst>
               </a:tr>
-              <a:tr h="200829">
+              <a:tr h="251460">
                 <a:tc>
                   <a:txBody>
                     <a:bodyPr/>
@@ -5496,12 +5496,16 @@
                     <a:p>
                       <a:pPr algn="ctr"/>
                       <a:r>
-                        <a:rPr kumimoji="1" lang="ja-JP" altLang="en-US" sz="1050" dirty="0">
-                          <a:latin typeface="メイリオ" panose="020B0604030504040204" pitchFamily="50" charset="-128"/>
-                          <a:ea typeface="メイリオ" panose="020B0604030504040204" pitchFamily="50" charset="-128"/>
-                        </a:rPr>
-                        <a:t>競技</a:t>
-                      </a:r>
+                        <a:rPr kumimoji="1" lang="ja-JP" altLang="en-US" sz="1050">
+                          <a:latin typeface="メイリオ" panose="020B0604030504040204" pitchFamily="50" charset="-128"/>
+                          <a:ea typeface="メイリオ" panose="020B0604030504040204" pitchFamily="50" charset="-128"/>
+                        </a:rPr>
+                        <a:t>競技管理</a:t>
+                      </a:r>
+                      <a:endParaRPr kumimoji="1" lang="ja-JP" altLang="en-US" sz="1050" dirty="0">
+                        <a:latin typeface="メイリオ" panose="020B0604030504040204" pitchFamily="50" charset="-128"/>
+                        <a:ea typeface="メイリオ" panose="020B0604030504040204" pitchFamily="50" charset="-128"/>
+                      </a:endParaRPr>
                     </a:p>
                   </a:txBody>
                   <a:tcPr anchor="b"/>
@@ -5513,26 +5517,16 @@
                     <a:p>
                       <a:pPr algn="l"/>
                       <a:r>
-                        <a:rPr kumimoji="1" lang="ja-JP" altLang="en-US" sz="1050" dirty="0">
-                          <a:latin typeface="メイリオ" panose="020B0604030504040204" pitchFamily="50" charset="-128"/>
-                          <a:ea typeface="メイリオ" panose="020B0604030504040204" pitchFamily="50" charset="-128"/>
-                        </a:rPr>
-                        <a:t>エントリーポイント</a:t>
-                      </a:r>
-                      <a:r>
                         <a:rPr kumimoji="1" lang="ja-JP" altLang="en-US" sz="1050">
                           <a:latin typeface="メイリオ" panose="020B0604030504040204" pitchFamily="50" charset="-128"/>
                           <a:ea typeface="メイリオ" panose="020B0604030504040204" pitchFamily="50" charset="-128"/>
                         </a:rPr>
-                        <a:t>となり，他</a:t>
-                      </a:r>
-                      <a:r>
-                        <a:rPr kumimoji="1" lang="ja-JP" altLang="en-US" sz="1050" dirty="0">
-                          <a:latin typeface="メイリオ" panose="020B0604030504040204" pitchFamily="50" charset="-128"/>
-                          <a:ea typeface="メイリオ" panose="020B0604030504040204" pitchFamily="50" charset="-128"/>
-                        </a:rPr>
-                        <a:t>のタスクを起動する</a:t>
-                      </a:r>
+                        <a:t>競技全体におけるエントリーポイント</a:t>
+                      </a:r>
+                      <a:endParaRPr kumimoji="1" lang="ja-JP" altLang="en-US" sz="1050" dirty="0">
+                        <a:latin typeface="メイリオ" panose="020B0604030504040204" pitchFamily="50" charset="-128"/>
+                        <a:ea typeface="メイリオ" panose="020B0604030504040204" pitchFamily="50" charset="-128"/>
+                      </a:endParaRPr>
                     </a:p>
                   </a:txBody>
                   <a:tcPr anchor="ctr"/>
@@ -5563,7 +5557,7 @@
                   </a:ext>
                 </a:extLst>
               </a:tr>
-              <a:tr h="216024">
+              <a:tr h="251460">
                 <a:tc>
                   <a:txBody>
                     <a:bodyPr/>
@@ -5592,22 +5586,19 @@
                           <a:latin typeface="メイリオ" panose="020B0604030504040204" pitchFamily="50" charset="-128"/>
                           <a:ea typeface="メイリオ" panose="020B0604030504040204" pitchFamily="50" charset="-128"/>
                         </a:rPr>
-                        <a:t>デバイスの情報を</a:t>
+                        <a:t>デバイスの情報</a:t>
                       </a:r>
                       <a:r>
                         <a:rPr kumimoji="1" lang="ja-JP" altLang="en-US" sz="1050">
                           <a:latin typeface="メイリオ" panose="020B0604030504040204" pitchFamily="50" charset="-128"/>
                           <a:ea typeface="メイリオ" panose="020B0604030504040204" pitchFamily="50" charset="-128"/>
                         </a:rPr>
-                        <a:t>取得し，管理</a:t>
-                      </a:r>
-                      <a:r>
-                        <a:rPr kumimoji="1" lang="ja-JP" altLang="en-US" sz="1050" dirty="0">
-                          <a:latin typeface="メイリオ" panose="020B0604030504040204" pitchFamily="50" charset="-128"/>
-                          <a:ea typeface="メイリオ" panose="020B0604030504040204" pitchFamily="50" charset="-128"/>
-                        </a:rPr>
-                        <a:t>する</a:t>
-                      </a:r>
+                        <a:t>を取得及び管理</a:t>
+                      </a:r>
+                      <a:endParaRPr kumimoji="1" lang="ja-JP" altLang="en-US" sz="1050" dirty="0">
+                        <a:latin typeface="メイリオ" panose="020B0604030504040204" pitchFamily="50" charset="-128"/>
+                        <a:ea typeface="メイリオ" panose="020B0604030504040204" pitchFamily="50" charset="-128"/>
+                      </a:endParaRPr>
                     </a:p>
                   </a:txBody>
                   <a:tcPr anchor="ctr"/>
@@ -5638,7 +5629,7 @@
                   </a:ext>
                 </a:extLst>
               </a:tr>
-              <a:tr h="201965">
+              <a:tr h="251460">
                 <a:tc>
                   <a:txBody>
                     <a:bodyPr/>
@@ -5667,8 +5658,19 @@
                           <a:latin typeface="メイリオ" panose="020B0604030504040204" pitchFamily="50" charset="-128"/>
                           <a:ea typeface="メイリオ" panose="020B0604030504040204" pitchFamily="50" charset="-128"/>
                         </a:rPr>
-                        <a:t>尻尾の角度を指定した角度に保つ</a:t>
-                      </a:r>
+                        <a:t>尻尾の角度を指定</a:t>
+                      </a:r>
+                      <a:r>
+                        <a:rPr kumimoji="1" lang="ja-JP" altLang="en-US" sz="1050">
+                          <a:latin typeface="メイリオ" panose="020B0604030504040204" pitchFamily="50" charset="-128"/>
+                          <a:ea typeface="メイリオ" panose="020B0604030504040204" pitchFamily="50" charset="-128"/>
+                        </a:rPr>
+                        <a:t>した角度で保持</a:t>
+                      </a:r>
+                      <a:endParaRPr kumimoji="1" lang="ja-JP" altLang="en-US" sz="1050" dirty="0">
+                        <a:latin typeface="メイリオ" panose="020B0604030504040204" pitchFamily="50" charset="-128"/>
+                        <a:ea typeface="メイリオ" panose="020B0604030504040204" pitchFamily="50" charset="-128"/>
+                      </a:endParaRPr>
                     </a:p>
                   </a:txBody>
                   <a:tcPr anchor="ctr"/>
@@ -5699,7 +5701,7 @@
                   </a:ext>
                 </a:extLst>
               </a:tr>
-              <a:tr h="211261">
+              <a:tr h="251460">
                 <a:tc>
                   <a:txBody>
                     <a:bodyPr/>
@@ -5728,22 +5730,19 @@
                           <a:latin typeface="メイリオ" panose="020B0604030504040204" pitchFamily="50" charset="-128"/>
                           <a:ea typeface="メイリオ" panose="020B0604030504040204" pitchFamily="50" charset="-128"/>
                         </a:rPr>
-                        <a:t>スタート信号の</a:t>
+                        <a:t>スタート信号</a:t>
                       </a:r>
                       <a:r>
                         <a:rPr kumimoji="1" lang="ja-JP" altLang="en-US" sz="1050">
                           <a:latin typeface="メイリオ" panose="020B0604030504040204" pitchFamily="50" charset="-128"/>
                           <a:ea typeface="メイリオ" panose="020B0604030504040204" pitchFamily="50" charset="-128"/>
                         </a:rPr>
-                        <a:t>受信や，ログデータ</a:t>
-                      </a:r>
-                      <a:r>
-                        <a:rPr kumimoji="1" lang="ja-JP" altLang="en-US" sz="1050" dirty="0">
-                          <a:latin typeface="メイリオ" panose="020B0604030504040204" pitchFamily="50" charset="-128"/>
-                          <a:ea typeface="メイリオ" panose="020B0604030504040204" pitchFamily="50" charset="-128"/>
-                        </a:rPr>
-                        <a:t>の送信を行う</a:t>
-                      </a:r>
+                        <a:t>の受信及びログデータの送信</a:t>
+                      </a:r>
+                      <a:endParaRPr kumimoji="1" lang="ja-JP" altLang="en-US" sz="1050" dirty="0">
+                        <a:latin typeface="メイリオ" panose="020B0604030504040204" pitchFamily="50" charset="-128"/>
+                        <a:ea typeface="メイリオ" panose="020B0604030504040204" pitchFamily="50" charset="-128"/>
+                      </a:endParaRPr>
                     </a:p>
                   </a:txBody>
                   <a:tcPr anchor="ctr"/>
@@ -5793,14 +5792,14 @@
           <p:nvPr>
             <p:extLst>
               <p:ext uri="{D42A27DB-BD31-4B8C-83A1-F6EECF244321}">
-                <p14:modId xmlns:p14="http://schemas.microsoft.com/office/powerpoint/2010/main" val="1927425773"/>
+                <p14:modId xmlns:p14="http://schemas.microsoft.com/office/powerpoint/2010/main" val="2069542137"/>
               </p:ext>
             </p:extLst>
           </p:nvPr>
         </p:nvGraphicFramePr>
         <p:xfrm>
-          <a:off x="7178497" y="1344615"/>
-          <a:ext cx="5361760" cy="3183480"/>
+          <a:off x="7070967" y="1339280"/>
+          <a:ext cx="5492188" cy="3183480"/>
         </p:xfrm>
         <a:graphic>
           <a:graphicData uri="http://schemas.openxmlformats.org/drawingml/2006/table">
@@ -5809,14 +5808,14 @@
                 <a:tableStyleId>{93296810-A885-4BE3-A3E7-6D5BEEA58F35}</a:tableStyleId>
               </a:tblPr>
               <a:tblGrid>
-                <a:gridCol w="2553448">
+                <a:gridCol w="2467851">
                   <a:extLst>
                     <a:ext uri="{9D8B030D-6E8A-4147-A177-3AD203B41FA5}">
                       <a16:colId xmlns:a16="http://schemas.microsoft.com/office/drawing/2014/main" val="3821575817"/>
                     </a:ext>
                   </a:extLst>
                 </a:gridCol>
-                <a:gridCol w="2808312">
+                <a:gridCol w="3024337">
                   <a:extLst>
                     <a:ext uri="{9D8B030D-6E8A-4147-A177-3AD203B41FA5}">
                       <a16:colId xmlns:a16="http://schemas.microsoft.com/office/drawing/2014/main" val="380914463"/>
@@ -5888,7 +5887,7 @@
                           <a:latin typeface="メイリオ" panose="020B0604030504040204" pitchFamily="50" charset="-128"/>
                           <a:ea typeface="メイリオ" panose="020B0604030504040204" pitchFamily="50" charset="-128"/>
                         </a:rPr>
-                        <a:t>走行体，中枢</a:t>
+                        <a:t>走行体，競技管理</a:t>
                       </a:r>
                       <a:endParaRPr kumimoji="1" lang="ja-JP" altLang="en-US" sz="1050" dirty="0">
                         <a:latin typeface="メイリオ" panose="020B0604030504040204" pitchFamily="50" charset="-128"/>
@@ -5931,20 +5930,7 @@
                           <a:latin typeface="メイリオ" panose="020B0604030504040204" pitchFamily="50" charset="-128"/>
                           <a:ea typeface="メイリオ" panose="020B0604030504040204" pitchFamily="50" charset="-128"/>
                         </a:rPr>
-                        <a:t>計器管理，走行距離計，輝度偏差計測計，</a:t>
-                      </a:r>
-                      <a:endParaRPr kumimoji="1" lang="en-US" altLang="ja-JP" sz="1050" dirty="0">
-                        <a:latin typeface="メイリオ" panose="020B0604030504040204" pitchFamily="50" charset="-128"/>
-                        <a:ea typeface="メイリオ" panose="020B0604030504040204" pitchFamily="50" charset="-128"/>
-                      </a:endParaRPr>
-                    </a:p>
-                    <a:p>
-                      <a:r>
-                        <a:rPr kumimoji="1" lang="ja-JP" altLang="en-US" sz="1050">
-                          <a:latin typeface="メイリオ" panose="020B0604030504040204" pitchFamily="50" charset="-128"/>
-                          <a:ea typeface="メイリオ" panose="020B0604030504040204" pitchFamily="50" charset="-128"/>
-                        </a:rPr>
-                        <a:t>電圧計，角</a:t>
+                        <a:t>ライントレーサ用計器，区間管理用計器，走行距離計，輝度偏差計測計，電圧計，角</a:t>
                       </a:r>
                       <a:r>
                         <a:rPr kumimoji="1" lang="ja-JP" altLang="en-US" sz="1050" dirty="0">
@@ -6399,13 +6385,13 @@
           <p:nvPr>
             <p:extLst>
               <p:ext uri="{D42A27DB-BD31-4B8C-83A1-F6EECF244321}">
-                <p14:modId xmlns:p14="http://schemas.microsoft.com/office/powerpoint/2010/main" val="1867781654"/>
+                <p14:modId xmlns:p14="http://schemas.microsoft.com/office/powerpoint/2010/main" val="2883253573"/>
               </p:ext>
             </p:extLst>
           </p:nvPr>
         </p:nvGraphicFramePr>
         <p:xfrm>
-          <a:off x="6917750" y="1598235"/>
+          <a:off x="6831098" y="1592934"/>
           <a:ext cx="218875" cy="2929860"/>
         </p:xfrm>
         <a:graphic>
@@ -8142,14 +8128,14 @@
           <p:nvPr>
             <p:extLst>
               <p:ext uri="{D42A27DB-BD31-4B8C-83A1-F6EECF244321}">
-                <p14:modId xmlns:p14="http://schemas.microsoft.com/office/powerpoint/2010/main" val="240586211"/>
+                <p14:modId xmlns:p14="http://schemas.microsoft.com/office/powerpoint/2010/main" val="2401622372"/>
               </p:ext>
             </p:extLst>
           </p:nvPr>
         </p:nvGraphicFramePr>
         <p:xfrm>
-          <a:off x="4055887" y="7683888"/>
-          <a:ext cx="3604737" cy="1508760"/>
+          <a:off x="3889612" y="7699092"/>
+          <a:ext cx="3899985" cy="1512900"/>
         </p:xfrm>
         <a:graphic>
           <a:graphicData uri="http://schemas.openxmlformats.org/drawingml/2006/table">
@@ -8158,7 +8144,7 @@
                 <a:tableStyleId>{93296810-A885-4BE3-A3E7-6D5BEEA58F35}</a:tableStyleId>
               </a:tblPr>
               <a:tblGrid>
-                <a:gridCol w="897537">
+                <a:gridCol w="1192785">
                   <a:extLst>
                     <a:ext uri="{9D8B030D-6E8A-4147-A177-3AD203B41FA5}">
                       <a16:colId xmlns:a16="http://schemas.microsoft.com/office/drawing/2014/main" val="2494303227"/>
@@ -8349,6 +8335,20 @@
                         </a:rPr>
                         <a:t>前進量</a:t>
                       </a:r>
+                      <a:r>
+                        <a:rPr kumimoji="1" lang="en-US" altLang="ja-JP" sz="1050" b="1" dirty="0">
+                          <a:latin typeface="+mn-ea"/>
+                          <a:ea typeface="+mn-ea"/>
+                        </a:rPr>
+                        <a:t> </a:t>
+                      </a:r>
+                      <a:r>
+                        <a:rPr kumimoji="1" lang="en-US" altLang="ja-JP" sz="1050" b="1" dirty="0" err="1">
+                          <a:latin typeface="+mn-ea"/>
+                          <a:ea typeface="+mn-ea"/>
+                        </a:rPr>
+                        <a:t>Fwd</a:t>
+                      </a:r>
                       <a:endParaRPr kumimoji="1" lang="ja-JP" altLang="en-US" sz="1050" b="1" dirty="0">
                         <a:latin typeface="+mn-ea"/>
                         <a:ea typeface="+mn-ea"/>
@@ -8463,7 +8463,7 @@
                   </a:ext>
                 </a:extLst>
               </a:tr>
-              <a:tr h="0">
+              <a:tr h="255600">
                 <a:tc>
                   <a:txBody>
                     <a:bodyPr/>
@@ -8476,6 +8476,20 @@
                           <a:ea typeface="+mn-ea"/>
                         </a:rPr>
                         <a:t>曲率旋回量</a:t>
+                      </a:r>
+                      <a:r>
+                        <a:rPr kumimoji="1" lang="en-US" altLang="ja-JP" sz="1050" b="1" dirty="0">
+                          <a:latin typeface="+mn-ea"/>
+                          <a:ea typeface="+mn-ea"/>
+                        </a:rPr>
+                        <a:t> </a:t>
+                      </a:r>
+                      <a:r>
+                        <a:rPr kumimoji="1" lang="en-US" altLang="ja-JP" sz="1050" b="1" dirty="0" err="1">
+                          <a:latin typeface="+mn-ea"/>
+                          <a:ea typeface="+mn-ea"/>
+                        </a:rPr>
+                        <a:t>Cuv</a:t>
                       </a:r>
                       <a:endParaRPr kumimoji="1" lang="ja-JP" altLang="en-US" sz="1050" b="1" dirty="0">
                         <a:latin typeface="+mn-ea"/>
@@ -8599,11 +8613,18 @@
                     <a:p>
                       <a:pPr algn="ctr"/>
                       <a:r>
+                        <a:rPr kumimoji="1" lang="ja-JP" altLang="en-US" sz="1050" b="1">
+                          <a:latin typeface="+mn-ea"/>
+                          <a:ea typeface="+mn-ea"/>
+                        </a:rPr>
+                        <a:t>比例項係数</a:t>
+                      </a:r>
+                      <a:r>
                         <a:rPr kumimoji="1" lang="en-US" altLang="ja-JP" sz="1050" b="1" dirty="0">
                           <a:latin typeface="+mn-ea"/>
                           <a:ea typeface="+mn-ea"/>
                         </a:rPr>
-                        <a:t>K</a:t>
+                        <a:t> K</a:t>
                       </a:r>
                       <a:r>
                         <a:rPr kumimoji="1" lang="en-US" altLang="ja-JP" sz="1050" b="1" baseline="-25000" dirty="0">
@@ -8734,11 +8755,18 @@
                     <a:p>
                       <a:pPr algn="ctr"/>
                       <a:r>
+                        <a:rPr kumimoji="1" lang="ja-JP" altLang="en-US" sz="1050" b="1">
+                          <a:latin typeface="+mn-ea"/>
+                          <a:ea typeface="+mn-ea"/>
+                        </a:rPr>
+                        <a:t>積分項係数</a:t>
+                      </a:r>
+                      <a:r>
                         <a:rPr kumimoji="1" lang="en-US" altLang="ja-JP" sz="1050" b="1" dirty="0">
                           <a:latin typeface="+mn-ea"/>
                           <a:ea typeface="+mn-ea"/>
                         </a:rPr>
-                        <a:t>K</a:t>
+                        <a:t> K</a:t>
                       </a:r>
                       <a:r>
                         <a:rPr kumimoji="1" lang="en-US" altLang="ja-JP" sz="1050" b="1" baseline="-25000" dirty="0">
@@ -8869,11 +8897,18 @@
                     <a:p>
                       <a:pPr algn="ctr"/>
                       <a:r>
+                        <a:rPr kumimoji="1" lang="ja-JP" altLang="en-US" sz="1050" b="1">
+                          <a:latin typeface="+mn-ea"/>
+                          <a:ea typeface="+mn-ea"/>
+                        </a:rPr>
+                        <a:t>微分項係数</a:t>
+                      </a:r>
+                      <a:r>
                         <a:rPr kumimoji="1" lang="en-US" altLang="ja-JP" sz="1050" b="1" dirty="0">
                           <a:latin typeface="+mn-ea"/>
                           <a:ea typeface="+mn-ea"/>
                         </a:rPr>
-                        <a:t>K</a:t>
+                        <a:t> K</a:t>
                       </a:r>
                       <a:r>
                         <a:rPr kumimoji="1" lang="en-US" altLang="ja-JP" sz="1050" b="1" baseline="-25000" dirty="0">
@@ -10075,7 +10110,7 @@
         </p:nvCxnSpPr>
         <p:spPr>
           <a:xfrm>
-            <a:off x="6889587" y="1603158"/>
+            <a:off x="6815663" y="1597330"/>
             <a:ext cx="441395" cy="0"/>
           </a:xfrm>
           <a:prstGeom prst="line">
